--- a/8주차-최종자료모음/카공_카페추천시스템_포스터.pptx
+++ b/8주차-최종자료모음/카공_카페추천시스템_포스터.pptx
@@ -3913,7 +3913,7 @@
               </a:lnSpc>
             </a:pPr>
             <a:r>
-              <a:rPr lang="ko-KR" altLang="en-US" sz="4000">
+              <a:rPr lang="ko-KR" altLang="en-US" sz="4000" dirty="0">
                 <a:solidFill>
                   <a:srgbClr val="202124"/>
                 </a:solidFill>
@@ -3922,7 +3922,7 @@
               <a:t>사용자는 시간과 비용을 절감하며 효율적으로 공부환경을 선택할 수 있다</a:t>
             </a:r>
             <a:r>
-              <a:rPr lang="en-US" altLang="ko-KR" sz="4000">
+              <a:rPr lang="en-US" altLang="ko-KR" sz="4000" dirty="0">
                 <a:solidFill>
                   <a:srgbClr val="202124"/>
                 </a:solidFill>
@@ -3931,43 +3931,52 @@
               <a:t>. </a:t>
             </a:r>
             <a:r>
-              <a:rPr lang="ko-KR" altLang="en-US" sz="4000">
+              <a:rPr lang="ko-KR" altLang="en-US" sz="4000" dirty="0" err="1">
                 <a:solidFill>
                   <a:srgbClr val="202124"/>
                 </a:solidFill>
                 <a:latin typeface="Apple SD Gothic Neo"/>
               </a:rPr>
-              <a:t>충대 인근의 카페 </a:t>
-            </a:r>
-            <a:r>
-              <a:rPr lang="en-US" altLang="ko-KR" sz="4000">
+              <a:t>충대</a:t>
+            </a:r>
+            <a:r>
+              <a:rPr lang="ko-KR" altLang="en-US" sz="4000" dirty="0">
                 <a:solidFill>
                   <a:srgbClr val="202124"/>
                 </a:solidFill>
                 <a:latin typeface="Apple SD Gothic Neo"/>
               </a:rPr>
-              <a:t>84</a:t>
-            </a:r>
-            <a:r>
-              <a:rPr lang="ko-KR" altLang="en-US" sz="4000">
+              <a:t> 인근 위주인 </a:t>
+            </a:r>
+            <a:r>
+              <a:rPr lang="en-US" altLang="ko-KR" sz="4000" dirty="0">
                 <a:solidFill>
                   <a:srgbClr val="202124"/>
                 </a:solidFill>
                 <a:latin typeface="Apple SD Gothic Neo"/>
               </a:rPr>
-              <a:t>곳의 데이터를 토대로 충남대학생을 위한 추천 시스템을 개발했지만</a:t>
-            </a:r>
-            <a:r>
-              <a:rPr lang="en-US" altLang="ko-KR" sz="4000">
+              <a:t>82</a:t>
+            </a:r>
+            <a:r>
+              <a:rPr lang="ko-KR" altLang="en-US" sz="4000" dirty="0">
                 <a:solidFill>
                   <a:srgbClr val="202124"/>
                 </a:solidFill>
                 <a:latin typeface="Apple SD Gothic Neo"/>
               </a:rPr>
+              <a:t>개 카페들의 데이터를 토대로 충남대학생을 위한 추천 시스템을 개발했지만</a:t>
+            </a:r>
+            <a:r>
+              <a:rPr lang="en-US" altLang="ko-KR" sz="4000" dirty="0">
+                <a:solidFill>
+                  <a:srgbClr val="202124"/>
+                </a:solidFill>
+                <a:latin typeface="Apple SD Gothic Neo"/>
+              </a:rPr>
               <a:t>, </a:t>
             </a:r>
             <a:r>
-              <a:rPr lang="ko-KR" altLang="en-US" sz="4000">
+              <a:rPr lang="ko-KR" altLang="en-US" sz="4000" dirty="0">
                 <a:solidFill>
                   <a:srgbClr val="202124"/>
                 </a:solidFill>
@@ -3976,7 +3985,7 @@
               <a:t>향후 더 많은 데이터를 수집하여 전국에서 활용할 수 있는 시스템으로 발전시키고자 한다</a:t>
             </a:r>
             <a:r>
-              <a:rPr lang="en-US" altLang="ko-KR" sz="4000">
+              <a:rPr lang="en-US" altLang="ko-KR" sz="4000" dirty="0">
                 <a:solidFill>
                   <a:srgbClr val="202124"/>
                 </a:solidFill>
@@ -4237,7 +4246,7 @@
                 <a:spcPct val="150000"/>
               </a:lnSpc>
             </a:pPr>
-            <a:endParaRPr lang="en-US" altLang="ko-KR" sz="1000" b="1" spc="-138">
+            <a:endParaRPr lang="en-US" altLang="ko-KR" sz="1000" b="1" spc="-138" dirty="0">
               <a:solidFill>
                 <a:schemeClr val="tx1"/>
               </a:solidFill>
@@ -4251,7 +4260,7 @@
               </a:lnSpc>
             </a:pPr>
             <a:r>
-              <a:rPr lang="en-US" altLang="ko-KR" sz="3600" b="1" spc="-138">
+              <a:rPr lang="en-US" altLang="ko-KR" sz="3600" b="1" spc="-138" dirty="0">
                 <a:solidFill>
                   <a:schemeClr val="tx1"/>
                 </a:solidFill>
@@ -4260,7 +4269,7 @@
               <a:t>1. </a:t>
             </a:r>
             <a:r>
-              <a:rPr lang="ko-KR" altLang="en-US" sz="3600" b="1" spc="-138">
+              <a:rPr lang="ko-KR" altLang="en-US" sz="3600" b="1" spc="-138" dirty="0">
                 <a:solidFill>
                   <a:schemeClr val="tx1"/>
                 </a:solidFill>
@@ -4276,7 +4285,7 @@
               </a:lnSpc>
             </a:pPr>
             <a:r>
-              <a:rPr lang="ko-KR" altLang="en-US" sz="3600" spc="-138">
+              <a:rPr lang="ko-KR" altLang="en-US" sz="3600" spc="-138" dirty="0">
                 <a:solidFill>
                   <a:schemeClr val="tx1"/>
                 </a:solidFill>
@@ -4284,7 +4293,7 @@
               </a:rPr>
               <a:t>카페 정보와 리뷰데이터 수집</a:t>
             </a:r>
-            <a:endParaRPr lang="en-US" altLang="ko-KR" sz="3600" spc="-138">
+            <a:endParaRPr lang="en-US" altLang="ko-KR" sz="3600" spc="-138" dirty="0">
               <a:solidFill>
                 <a:schemeClr val="tx1"/>
               </a:solidFill>
@@ -4297,7 +4306,7 @@
                 <a:spcPct val="150000"/>
               </a:lnSpc>
             </a:pPr>
-            <a:endParaRPr lang="ko-KR" altLang="en-US" sz="1000" spc="-138">
+            <a:endParaRPr lang="ko-KR" altLang="en-US" sz="1000" spc="-138" dirty="0">
               <a:solidFill>
                 <a:schemeClr val="tx1"/>
               </a:solidFill>
@@ -4311,7 +4320,7 @@
               </a:lnSpc>
             </a:pPr>
             <a:r>
-              <a:rPr lang="en-US" altLang="ko-KR" sz="3600" b="1" spc="-138">
+              <a:rPr lang="en-US" altLang="ko-KR" sz="3600" b="1" spc="-138" dirty="0">
                 <a:solidFill>
                   <a:schemeClr val="tx1"/>
                 </a:solidFill>
@@ -4320,7 +4329,7 @@
               <a:t>2. </a:t>
             </a:r>
             <a:r>
-              <a:rPr lang="ko-KR" altLang="en-US" sz="3600" b="1" spc="-138">
+              <a:rPr lang="ko-KR" altLang="en-US" sz="3600" b="1" spc="-138" dirty="0" err="1">
                 <a:solidFill>
                   <a:schemeClr val="tx1"/>
                 </a:solidFill>
@@ -4329,7 +4338,7 @@
               <a:t>전처리</a:t>
             </a:r>
             <a:r>
-              <a:rPr lang="en-US" altLang="ko-KR" sz="3600" b="1" spc="-138">
+              <a:rPr lang="en-US" altLang="ko-KR" sz="3600" b="1" spc="-138" dirty="0">
                 <a:solidFill>
                   <a:schemeClr val="tx1"/>
                 </a:solidFill>
@@ -4345,7 +4354,7 @@
               </a:lnSpc>
             </a:pPr>
             <a:r>
-              <a:rPr lang="ko-KR" altLang="en-US" sz="3600" spc="-138">
+              <a:rPr lang="ko-KR" altLang="en-US" sz="3600" spc="-138" dirty="0">
                 <a:solidFill>
                   <a:schemeClr val="tx1"/>
                 </a:solidFill>
@@ -4354,7 +4363,7 @@
               <a:t>지도학습 라벨의 분포 확인</a:t>
             </a:r>
             <a:r>
-              <a:rPr lang="en-US" altLang="ko-KR" sz="3600" spc="-138">
+              <a:rPr lang="en-US" altLang="ko-KR" sz="3600" spc="-138" dirty="0">
                 <a:solidFill>
                   <a:schemeClr val="tx1"/>
                 </a:solidFill>
@@ -4363,7 +4372,7 @@
               <a:t>(</a:t>
             </a:r>
             <a:r>
-              <a:rPr lang="ko-KR" altLang="en-US" sz="3600" spc="-138">
+              <a:rPr lang="ko-KR" altLang="en-US" sz="3600" spc="-138" dirty="0">
                 <a:solidFill>
                   <a:schemeClr val="tx1"/>
                 </a:solidFill>
@@ -4372,7 +4381,7 @@
               <a:t>균등</a:t>
             </a:r>
             <a:r>
-              <a:rPr lang="en-US" altLang="ko-KR" sz="3600" spc="-138">
+              <a:rPr lang="en-US" altLang="ko-KR" sz="3600" spc="-138" dirty="0">
                 <a:solidFill>
                   <a:schemeClr val="tx1"/>
                 </a:solidFill>
@@ -4381,16 +4390,34 @@
               <a:t>), </a:t>
             </a:r>
             <a:r>
-              <a:rPr lang="ko-KR" altLang="en-US" sz="3600" spc="-138">
-                <a:solidFill>
-                  <a:schemeClr val="tx1"/>
-                </a:solidFill>
-                <a:latin typeface="+mn-ea"/>
-              </a:rPr>
-              <a:t>데이터 결측치 제거</a:t>
-            </a:r>
-            <a:r>
-              <a:rPr lang="en-US" altLang="ko-KR" sz="3600" spc="-138">
+              <a:rPr lang="ko-KR" altLang="en-US" sz="3600" spc="-138" dirty="0">
+                <a:solidFill>
+                  <a:schemeClr val="tx1"/>
+                </a:solidFill>
+                <a:latin typeface="+mn-ea"/>
+              </a:rPr>
+              <a:t>데이터 </a:t>
+            </a:r>
+            <a:r>
+              <a:rPr lang="ko-KR" altLang="en-US" sz="3600" spc="-138" dirty="0" err="1">
+                <a:solidFill>
+                  <a:schemeClr val="tx1"/>
+                </a:solidFill>
+                <a:latin typeface="+mn-ea"/>
+              </a:rPr>
+              <a:t>결측치</a:t>
+            </a:r>
+            <a:r>
+              <a:rPr lang="ko-KR" altLang="en-US" sz="3600" spc="-138" dirty="0">
+                <a:solidFill>
+                  <a:schemeClr val="tx1"/>
+                </a:solidFill>
+                <a:latin typeface="+mn-ea"/>
+              </a:rPr>
+              <a:t> 제거</a:t>
+            </a:r>
+            <a:r>
+              <a:rPr lang="en-US" altLang="ko-KR" sz="3600" spc="-138" dirty="0">
                 <a:solidFill>
                   <a:schemeClr val="tx1"/>
                 </a:solidFill>
@@ -4399,7 +4426,7 @@
               <a:t>, </a:t>
             </a:r>
             <a:r>
-              <a:rPr lang="ko-KR" altLang="en-US" sz="3600" spc="-138">
+              <a:rPr lang="ko-KR" altLang="en-US" sz="3600" spc="-138" dirty="0">
                 <a:solidFill>
                   <a:schemeClr val="tx1"/>
                 </a:solidFill>
@@ -4408,7 +4435,7 @@
               <a:t>중복샘플 제거</a:t>
             </a:r>
             <a:r>
-              <a:rPr lang="en-US" altLang="ko-KR" sz="3600" spc="-138">
+              <a:rPr lang="en-US" altLang="ko-KR" sz="3600" spc="-138" dirty="0">
                 <a:solidFill>
                   <a:schemeClr val="tx1"/>
                 </a:solidFill>
@@ -4417,7 +4444,7 @@
               <a:t>, </a:t>
             </a:r>
             <a:r>
-              <a:rPr lang="ko-KR" altLang="en-US" sz="3600" spc="-138">
+              <a:rPr lang="ko-KR" altLang="en-US" sz="3600" spc="-138" dirty="0">
                 <a:solidFill>
                   <a:schemeClr val="tx1"/>
                 </a:solidFill>
@@ -4426,7 +4453,7 @@
               <a:t>한글 공백 제외한 모든 문자제거</a:t>
             </a:r>
             <a:r>
-              <a:rPr lang="en-US" altLang="ko-KR" sz="3600" spc="-138">
+              <a:rPr lang="en-US" altLang="ko-KR" sz="3600" spc="-138" dirty="0">
                 <a:solidFill>
                   <a:schemeClr val="tx1"/>
                 </a:solidFill>
@@ -4435,7 +4462,7 @@
               <a:t>, </a:t>
             </a:r>
             <a:r>
-              <a:rPr lang="ko-KR" altLang="en-US" sz="3600" spc="-138">
+              <a:rPr lang="ko-KR" altLang="en-US" sz="3600" spc="-138" dirty="0" err="1">
                 <a:solidFill>
                   <a:schemeClr val="tx1"/>
                 </a:solidFill>
@@ -4444,7 +4471,7 @@
               <a:t>빈샘플제거</a:t>
             </a:r>
             <a:r>
-              <a:rPr lang="en-US" altLang="ko-KR" sz="3600" spc="-138">
+              <a:rPr lang="en-US" altLang="ko-KR" sz="3600" spc="-138" dirty="0">
                 <a:solidFill>
                   <a:schemeClr val="tx1"/>
                 </a:solidFill>
@@ -4453,7 +4480,7 @@
               <a:t>, </a:t>
             </a:r>
             <a:r>
-              <a:rPr lang="ko-KR" altLang="en-US" sz="3600" spc="-138">
+              <a:rPr lang="ko-KR" altLang="en-US" sz="3600" spc="-138" dirty="0">
                 <a:solidFill>
                   <a:schemeClr val="tx1"/>
                 </a:solidFill>
@@ -4462,7 +4489,7 @@
               <a:t>패딩</a:t>
             </a:r>
             <a:r>
-              <a:rPr lang="en-US" altLang="ko-KR" sz="3600" spc="-138">
+              <a:rPr lang="en-US" altLang="ko-KR" sz="3600" spc="-138" dirty="0">
                 <a:solidFill>
                   <a:schemeClr val="tx1"/>
                 </a:solidFill>
@@ -4471,7 +4498,7 @@
               <a:t>(</a:t>
             </a:r>
             <a:r>
-              <a:rPr lang="ko-KR" altLang="en-US" sz="3600" spc="-138">
+              <a:rPr lang="ko-KR" altLang="en-US" sz="3600" spc="-138" dirty="0">
                 <a:solidFill>
                   <a:schemeClr val="tx1"/>
                 </a:solidFill>
@@ -4480,16 +4507,16 @@
               <a:t>샘플의 길이 맞추기 </a:t>
             </a:r>
             <a:r>
-              <a:rPr lang="en-US" altLang="ko-KR" sz="3600" spc="-138">
-                <a:solidFill>
-                  <a:schemeClr val="tx1"/>
-                </a:solidFill>
-                <a:latin typeface="+mn-ea"/>
-              </a:rPr>
-              <a:t>40</a:t>
-            </a:r>
-            <a:r>
-              <a:rPr lang="ko-KR" altLang="en-US" sz="3600" spc="-138">
+              <a:rPr lang="en-US" altLang="ko-KR" sz="3600" spc="-138" dirty="0">
+                <a:solidFill>
+                  <a:schemeClr val="tx1"/>
+                </a:solidFill>
+                <a:latin typeface="+mn-ea"/>
+              </a:rPr>
+              <a:t>60</a:t>
+            </a:r>
+            <a:r>
+              <a:rPr lang="ko-KR" altLang="en-US" sz="3600" spc="-138" dirty="0">
                 <a:solidFill>
                   <a:schemeClr val="tx1"/>
                 </a:solidFill>
@@ -4498,7 +4525,7 @@
               <a:t>으로 통일</a:t>
             </a:r>
             <a:r>
-              <a:rPr lang="en-US" altLang="ko-KR" sz="3600" spc="-138">
+              <a:rPr lang="en-US" altLang="ko-KR" sz="3600" spc="-138" dirty="0">
                 <a:solidFill>
                   <a:schemeClr val="tx1"/>
                 </a:solidFill>
@@ -4507,16 +4534,25 @@
               <a:t>), </a:t>
             </a:r>
             <a:r>
-              <a:rPr lang="ko-KR" altLang="en-US" sz="3600" spc="-138">
-                <a:solidFill>
-                  <a:schemeClr val="tx1"/>
-                </a:solidFill>
-                <a:latin typeface="+mn-ea"/>
-              </a:rPr>
-              <a:t>불용어 정의</a:t>
-            </a:r>
-            <a:r>
-              <a:rPr lang="en-US" altLang="ko-KR" sz="3600" spc="-138">
+              <a:rPr lang="ko-KR" altLang="en-US" sz="3600" spc="-138" dirty="0" err="1">
+                <a:solidFill>
+                  <a:schemeClr val="tx1"/>
+                </a:solidFill>
+                <a:latin typeface="+mn-ea"/>
+              </a:rPr>
+              <a:t>불용어</a:t>
+            </a:r>
+            <a:r>
+              <a:rPr lang="ko-KR" altLang="en-US" sz="3600" spc="-138" dirty="0">
+                <a:solidFill>
+                  <a:schemeClr val="tx1"/>
+                </a:solidFill>
+                <a:latin typeface="+mn-ea"/>
+              </a:rPr>
+              <a:t> 정의</a:t>
+            </a:r>
+            <a:r>
+              <a:rPr lang="en-US" altLang="ko-KR" sz="3600" spc="-138" dirty="0">
                 <a:solidFill>
                   <a:schemeClr val="tx1"/>
                 </a:solidFill>
@@ -4525,7 +4561,7 @@
               <a:t>, </a:t>
             </a:r>
             <a:r>
-              <a:rPr lang="ko-KR" altLang="en-US" sz="3600" spc="-138">
+              <a:rPr lang="ko-KR" altLang="en-US" sz="3600" spc="-138" dirty="0">
                 <a:solidFill>
                   <a:schemeClr val="tx1"/>
                 </a:solidFill>
@@ -4534,7 +4570,7 @@
               <a:t>정수인 코딩</a:t>
             </a:r>
             <a:r>
-              <a:rPr lang="en-US" altLang="ko-KR" sz="3600" spc="-138">
+              <a:rPr lang="en-US" altLang="ko-KR" sz="3600" spc="-138" dirty="0">
                 <a:solidFill>
                   <a:schemeClr val="tx1"/>
                 </a:solidFill>
@@ -4543,7 +4579,7 @@
               <a:t>(</a:t>
             </a:r>
             <a:r>
-              <a:rPr lang="ko-KR" altLang="en-US" sz="3600" spc="-138">
+              <a:rPr lang="ko-KR" altLang="en-US" sz="3600" spc="-138" dirty="0">
                 <a:solidFill>
                   <a:schemeClr val="tx1"/>
                 </a:solidFill>
@@ -4552,7 +4588,7 @@
               <a:t>단어 토큰화</a:t>
             </a:r>
             <a:r>
-              <a:rPr lang="en-US" altLang="ko-KR" sz="3600" spc="-138">
+              <a:rPr lang="en-US" altLang="ko-KR" sz="3600" spc="-138" dirty="0">
                 <a:solidFill>
                   <a:schemeClr val="tx1"/>
                 </a:solidFill>
@@ -4561,15 +4597,24 @@
               <a:t>), </a:t>
             </a:r>
             <a:r>
-              <a:rPr lang="ko-KR" altLang="en-US" sz="3600" spc="-138">
-                <a:solidFill>
-                  <a:schemeClr val="tx1"/>
-                </a:solidFill>
-                <a:latin typeface="+mn-ea"/>
-              </a:rPr>
-              <a:t>희귀단어빈도 확인</a:t>
-            </a:r>
-            <a:endParaRPr lang="en-US" altLang="ko-KR" sz="3600" spc="-138">
+              <a:rPr lang="ko-KR" altLang="en-US" sz="3600" spc="-138" dirty="0" err="1">
+                <a:solidFill>
+                  <a:schemeClr val="tx1"/>
+                </a:solidFill>
+                <a:latin typeface="+mn-ea"/>
+              </a:rPr>
+              <a:t>희귀단어빈도</a:t>
+            </a:r>
+            <a:r>
+              <a:rPr lang="ko-KR" altLang="en-US" sz="3600" spc="-138" dirty="0">
+                <a:solidFill>
+                  <a:schemeClr val="tx1"/>
+                </a:solidFill>
+                <a:latin typeface="+mn-ea"/>
+              </a:rPr>
+              <a:t> 확인 </a:t>
+            </a:r>
+            <a:endParaRPr lang="en-US" altLang="ko-KR" sz="3600" spc="-138" dirty="0">
               <a:solidFill>
                 <a:schemeClr val="tx1"/>
               </a:solidFill>
@@ -4582,7 +4627,7 @@
                 <a:spcPct val="150000"/>
               </a:lnSpc>
             </a:pPr>
-            <a:endParaRPr lang="en-US" altLang="ko-KR" sz="1000" spc="-138">
+            <a:endParaRPr lang="en-US" altLang="ko-KR" sz="1000" spc="-138" dirty="0">
               <a:solidFill>
                 <a:schemeClr val="tx1"/>
               </a:solidFill>
@@ -4595,7 +4640,7 @@
                 <a:spcPct val="150000"/>
               </a:lnSpc>
             </a:pPr>
-            <a:endParaRPr lang="en-US" altLang="ko-KR" sz="1000" spc="-138">
+            <a:endParaRPr lang="en-US" altLang="ko-KR" sz="1000" spc="-138" dirty="0">
               <a:solidFill>
                 <a:schemeClr val="tx1"/>
               </a:solidFill>
@@ -4609,16 +4654,34 @@
               </a:lnSpc>
             </a:pPr>
             <a:r>
-              <a:rPr lang="en-US" altLang="ko-KR" sz="3600" b="1" spc="-138">
-                <a:solidFill>
-                  <a:schemeClr val="tx1"/>
-                </a:solidFill>
-                <a:latin typeface="+mn-ea"/>
-              </a:rPr>
-              <a:t>3. Lstm </a:t>
-            </a:r>
-            <a:r>
-              <a:rPr lang="ko-KR" altLang="en-US" sz="3600" b="1" spc="-138">
+              <a:rPr lang="en-US" altLang="ko-KR" sz="3600" b="1" spc="-138" dirty="0">
+                <a:solidFill>
+                  <a:schemeClr val="tx1"/>
+                </a:solidFill>
+                <a:latin typeface="+mn-ea"/>
+              </a:rPr>
+              <a:t>3. </a:t>
+            </a:r>
+            <a:r>
+              <a:rPr lang="en-US" altLang="ko-KR" sz="3600" b="1" spc="-138" dirty="0" err="1">
+                <a:solidFill>
+                  <a:schemeClr val="tx1"/>
+                </a:solidFill>
+                <a:latin typeface="+mn-ea"/>
+              </a:rPr>
+              <a:t>Lstm</a:t>
+            </a:r>
+            <a:r>
+              <a:rPr lang="en-US" altLang="ko-KR" sz="3600" b="1" spc="-138" dirty="0">
+                <a:solidFill>
+                  <a:schemeClr val="tx1"/>
+                </a:solidFill>
+                <a:latin typeface="+mn-ea"/>
+              </a:rPr>
+              <a:t> </a:t>
+            </a:r>
+            <a:r>
+              <a:rPr lang="ko-KR" altLang="en-US" sz="3600" b="1" spc="-138" dirty="0">
                 <a:solidFill>
                   <a:schemeClr val="tx1"/>
                 </a:solidFill>
@@ -4626,7 +4689,7 @@
               </a:rPr>
               <a:t>감정분석</a:t>
             </a:r>
-            <a:endParaRPr lang="en-US" altLang="ko-KR" sz="3600" b="1" spc="-138">
+            <a:endParaRPr lang="en-US" altLang="ko-KR" sz="3600" b="1" spc="-138" dirty="0">
               <a:solidFill>
                 <a:schemeClr val="tx1"/>
               </a:solidFill>
@@ -4640,13 +4703,31 @@
               </a:lnSpc>
             </a:pPr>
             <a:r>
-              <a:rPr lang="en-US" altLang="ko-KR" sz="3600" spc="-138">
-                <a:solidFill>
-                  <a:schemeClr val="tx1"/>
-                </a:solidFill>
-                <a:latin typeface="+mn-ea"/>
-              </a:rPr>
-              <a:t>Train : Validation : Test = 7 : 1 : 2, Embedding dim=100, hidden unit size = 128, Activation = sigmoid &amp; Loss = binary-crossentropy, Early stopping, train accuracy = 0.9807 &amp; test accuracy = 0.8693</a:t>
+              <a:rPr lang="en-US" altLang="ko-KR" sz="3600" spc="-138" dirty="0">
+                <a:solidFill>
+                  <a:schemeClr val="tx1"/>
+                </a:solidFill>
+                <a:latin typeface="+mn-ea"/>
+              </a:rPr>
+              <a:t>Train : Validation : Test = 7 : 1 : 2, Embedding dim=100, hidden unit size = 128, Activation = sigmoid &amp; Loss = binary-</a:t>
+            </a:r>
+            <a:r>
+              <a:rPr lang="en-US" altLang="ko-KR" sz="3600" spc="-138" dirty="0" err="1">
+                <a:solidFill>
+                  <a:schemeClr val="tx1"/>
+                </a:solidFill>
+                <a:latin typeface="+mn-ea"/>
+              </a:rPr>
+              <a:t>crossentropy</a:t>
+            </a:r>
+            <a:r>
+              <a:rPr lang="en-US" altLang="ko-KR" sz="3600" spc="-138" dirty="0">
+                <a:solidFill>
+                  <a:schemeClr val="tx1"/>
+                </a:solidFill>
+                <a:latin typeface="+mn-ea"/>
+              </a:rPr>
+              <a:t>, Early stopping, train accuracy = 0.9807 &amp; test accuracy = 0.8693</a:t>
             </a:r>
           </a:p>
           <a:p>
@@ -4655,7 +4736,7 @@
                 <a:spcPct val="150000"/>
               </a:lnSpc>
             </a:pPr>
-            <a:endParaRPr lang="en-US" altLang="ko-KR" sz="1000" spc="-138">
+            <a:endParaRPr lang="en-US" altLang="ko-KR" sz="1000" spc="-138" dirty="0">
               <a:solidFill>
                 <a:schemeClr val="tx1"/>
               </a:solidFill>
@@ -4669,7 +4750,7 @@
               </a:lnSpc>
             </a:pPr>
             <a:r>
-              <a:rPr lang="en-US" altLang="ko-KR" sz="3600" b="1" spc="-138">
+              <a:rPr lang="en-US" altLang="ko-KR" sz="3600" b="1" spc="-138" dirty="0">
                 <a:solidFill>
                   <a:schemeClr val="tx1"/>
                 </a:solidFill>
@@ -4678,7 +4759,7 @@
               <a:t>4. </a:t>
             </a:r>
             <a:r>
-              <a:rPr lang="ko-KR" altLang="en-US" sz="3600" b="1" spc="-138">
+              <a:rPr lang="ko-KR" altLang="en-US" sz="3600" b="1" spc="-138" dirty="0" err="1">
                 <a:solidFill>
                   <a:schemeClr val="tx1"/>
                 </a:solidFill>
@@ -4687,7 +4768,7 @@
               <a:t>전처리</a:t>
             </a:r>
             <a:r>
-              <a:rPr lang="en-US" altLang="ko-KR" sz="3600" b="1" spc="-138">
+              <a:rPr lang="en-US" altLang="ko-KR" sz="3600" b="1" spc="-138" dirty="0">
                 <a:solidFill>
                   <a:schemeClr val="tx1"/>
                 </a:solidFill>
@@ -4703,16 +4784,34 @@
               </a:lnSpc>
             </a:pPr>
             <a:r>
-              <a:rPr lang="ko-KR" altLang="en-US" sz="3600" spc="-138">
-                <a:solidFill>
-                  <a:schemeClr val="tx1"/>
-                </a:solidFill>
-                <a:latin typeface="+mn-ea"/>
-              </a:rPr>
-              <a:t>리뷰에 대한 오버뷰 및 컨셉 제작</a:t>
-            </a:r>
-            <a:r>
-              <a:rPr lang="en-US" altLang="ko-KR" sz="3600" spc="-138">
+              <a:rPr lang="ko-KR" altLang="en-US" sz="3600" spc="-138" dirty="0">
+                <a:solidFill>
+                  <a:schemeClr val="tx1"/>
+                </a:solidFill>
+                <a:latin typeface="+mn-ea"/>
+              </a:rPr>
+              <a:t>리뷰에 대한 </a:t>
+            </a:r>
+            <a:r>
+              <a:rPr lang="ko-KR" altLang="en-US" sz="3600" spc="-138" dirty="0" err="1">
+                <a:solidFill>
+                  <a:schemeClr val="tx1"/>
+                </a:solidFill>
+                <a:latin typeface="+mn-ea"/>
+              </a:rPr>
+              <a:t>오버뷰</a:t>
+            </a:r>
+            <a:r>
+              <a:rPr lang="ko-KR" altLang="en-US" sz="3600" spc="-138" dirty="0">
+                <a:solidFill>
+                  <a:schemeClr val="tx1"/>
+                </a:solidFill>
+                <a:latin typeface="+mn-ea"/>
+              </a:rPr>
+              <a:t> 및 컨셉 제작</a:t>
+            </a:r>
+            <a:r>
+              <a:rPr lang="en-US" altLang="ko-KR" sz="3600" spc="-138" dirty="0">
                 <a:solidFill>
                   <a:schemeClr val="tx1"/>
                 </a:solidFill>
@@ -4721,7 +4820,7 @@
               <a:t>, </a:t>
             </a:r>
             <a:r>
-              <a:rPr lang="ko-KR" altLang="en-US" sz="3600" spc="-138">
+              <a:rPr lang="ko-KR" altLang="en-US" sz="3600" spc="-138" dirty="0" err="1">
                 <a:solidFill>
                   <a:schemeClr val="tx1"/>
                 </a:solidFill>
@@ -4730,16 +4829,25 @@
               <a:t>오버뷰란</a:t>
             </a:r>
             <a:r>
-              <a:rPr lang="en-US" altLang="ko-KR" sz="3600" spc="-138">
-                <a:solidFill>
-                  <a:schemeClr val="tx1"/>
-                </a:solidFill>
-                <a:latin typeface="+mn-ea"/>
-              </a:rPr>
-              <a:t> lstm</a:t>
-            </a:r>
-            <a:r>
-              <a:rPr lang="ko-KR" altLang="en-US" sz="3600" spc="-138">
+              <a:rPr lang="en-US" altLang="ko-KR" sz="3600" spc="-138" dirty="0">
+                <a:solidFill>
+                  <a:schemeClr val="tx1"/>
+                </a:solidFill>
+                <a:latin typeface="+mn-ea"/>
+              </a:rPr>
+              <a:t> </a:t>
+            </a:r>
+            <a:r>
+              <a:rPr lang="en-US" altLang="ko-KR" sz="3600" spc="-138" dirty="0" err="1">
+                <a:solidFill>
+                  <a:schemeClr val="tx1"/>
+                </a:solidFill>
+                <a:latin typeface="+mn-ea"/>
+              </a:rPr>
+              <a:t>lstm</a:t>
+            </a:r>
+            <a:r>
+              <a:rPr lang="ko-KR" altLang="en-US" sz="3600" spc="-138" dirty="0">
                 <a:solidFill>
                   <a:schemeClr val="tx1"/>
                 </a:solidFill>
@@ -4748,7 +4856,7 @@
               <a:t>긍정으로 판별된 리뷰 중 정확도 상위 </a:t>
             </a:r>
             <a:r>
-              <a:rPr lang="en-US" altLang="ko-KR" sz="3600" spc="-138">
+              <a:rPr lang="en-US" altLang="ko-KR" sz="3600" spc="-138" dirty="0">
                 <a:solidFill>
                   <a:schemeClr val="tx1"/>
                 </a:solidFill>
@@ -4757,7 +4865,7 @@
               <a:t>5</a:t>
             </a:r>
             <a:r>
-              <a:rPr lang="ko-KR" altLang="en-US" sz="3600" spc="-138">
+              <a:rPr lang="ko-KR" altLang="en-US" sz="3600" spc="-138" dirty="0">
                 <a:solidFill>
                   <a:schemeClr val="tx1"/>
                 </a:solidFill>
@@ -4766,7 +4874,7 @@
               <a:t>개 리뷰를 합친 것</a:t>
             </a:r>
             <a:r>
-              <a:rPr lang="en-US" altLang="ko-KR" sz="3600" spc="-138">
+              <a:rPr lang="en-US" altLang="ko-KR" sz="3600" spc="-138" dirty="0">
                 <a:solidFill>
                   <a:schemeClr val="tx1"/>
                 </a:solidFill>
@@ -4775,16 +4883,34 @@
               <a:t>, </a:t>
             </a:r>
             <a:r>
-              <a:rPr lang="ko-KR" altLang="en-US" sz="3600" spc="-138">
-                <a:solidFill>
-                  <a:schemeClr val="tx1"/>
-                </a:solidFill>
-                <a:latin typeface="+mn-ea"/>
-              </a:rPr>
-              <a:t>컨셉이란 카페별 특색과 구조를 설명하는 문장</a:t>
-            </a:r>
-            <a:r>
-              <a:rPr lang="en-US" altLang="ko-KR" sz="3600" spc="-138">
+              <a:rPr lang="ko-KR" altLang="en-US" sz="3600" spc="-138" dirty="0">
+                <a:solidFill>
+                  <a:schemeClr val="tx1"/>
+                </a:solidFill>
+                <a:latin typeface="+mn-ea"/>
+              </a:rPr>
+              <a:t>컨셉이란 </a:t>
+            </a:r>
+            <a:r>
+              <a:rPr lang="ko-KR" altLang="en-US" sz="3600" spc="-138" dirty="0" err="1">
+                <a:solidFill>
+                  <a:schemeClr val="tx1"/>
+                </a:solidFill>
+                <a:latin typeface="+mn-ea"/>
+              </a:rPr>
+              <a:t>카페별</a:t>
+            </a:r>
+            <a:r>
+              <a:rPr lang="ko-KR" altLang="en-US" sz="3600" spc="-138" dirty="0">
+                <a:solidFill>
+                  <a:schemeClr val="tx1"/>
+                </a:solidFill>
+                <a:latin typeface="+mn-ea"/>
+              </a:rPr>
+              <a:t> 특색과 구조를 설명하는 문장</a:t>
+            </a:r>
+            <a:r>
+              <a:rPr lang="en-US" altLang="ko-KR" sz="3600" spc="-138" dirty="0">
                 <a:solidFill>
                   <a:schemeClr val="tx1"/>
                 </a:solidFill>
@@ -4793,16 +4919,25 @@
               <a:t>(</a:t>
             </a:r>
             <a:r>
-              <a:rPr lang="ko-KR" altLang="en-US" sz="3600" spc="-138">
-                <a:solidFill>
-                  <a:schemeClr val="tx1"/>
-                </a:solidFill>
-                <a:latin typeface="+mn-ea"/>
-              </a:rPr>
-              <a:t>카페별 데이터 생성</a:t>
-            </a:r>
-            <a:r>
-              <a:rPr lang="en-US" altLang="ko-KR" sz="3600" spc="-138">
+              <a:rPr lang="ko-KR" altLang="en-US" sz="3600" spc="-138" dirty="0" err="1">
+                <a:solidFill>
+                  <a:schemeClr val="tx1"/>
+                </a:solidFill>
+                <a:latin typeface="+mn-ea"/>
+              </a:rPr>
+              <a:t>카페별</a:t>
+            </a:r>
+            <a:r>
+              <a:rPr lang="ko-KR" altLang="en-US" sz="3600" spc="-138" dirty="0">
+                <a:solidFill>
+                  <a:schemeClr val="tx1"/>
+                </a:solidFill>
+                <a:latin typeface="+mn-ea"/>
+              </a:rPr>
+              <a:t> 데이터 생성</a:t>
+            </a:r>
+            <a:r>
+              <a:rPr lang="en-US" altLang="ko-KR" sz="3600" spc="-138" dirty="0">
                 <a:solidFill>
                   <a:schemeClr val="tx1"/>
                 </a:solidFill>
@@ -4817,7 +4952,7 @@
                 <a:spcPct val="150000"/>
               </a:lnSpc>
             </a:pPr>
-            <a:endParaRPr lang="en-US" altLang="ko-KR" sz="1000" spc="-138">
+            <a:endParaRPr lang="en-US" altLang="ko-KR" sz="1000" spc="-138" dirty="0">
               <a:solidFill>
                 <a:schemeClr val="tx1"/>
               </a:solidFill>
@@ -4831,7 +4966,7 @@
               </a:lnSpc>
             </a:pPr>
             <a:r>
-              <a:rPr lang="en-US" altLang="ko-KR" sz="3600" b="1" spc="-138">
+              <a:rPr lang="en-US" altLang="ko-KR" sz="3600" b="1" spc="-138" dirty="0">
                 <a:solidFill>
                   <a:schemeClr val="tx1"/>
                 </a:solidFill>
@@ -4840,7 +4975,7 @@
               <a:t>5. TF-IDF</a:t>
             </a:r>
             <a:r>
-              <a:rPr lang="ko-KR" altLang="en-US" sz="3600" b="1" spc="-138">
+              <a:rPr lang="ko-KR" altLang="en-US" sz="3600" b="1" spc="-138" dirty="0">
                 <a:solidFill>
                   <a:schemeClr val="tx1"/>
                 </a:solidFill>
@@ -4849,7 +4984,7 @@
               <a:t>와 </a:t>
             </a:r>
             <a:r>
-              <a:rPr lang="en-US" altLang="ko-KR" sz="3600" b="1" spc="-138">
+              <a:rPr lang="en-US" altLang="ko-KR" sz="3600" b="1" spc="-138" dirty="0">
                 <a:solidFill>
                   <a:schemeClr val="tx1"/>
                 </a:solidFill>
@@ -4858,7 +4993,7 @@
               <a:t>COS</a:t>
             </a:r>
             <a:r>
-              <a:rPr lang="ko-KR" altLang="en-US" sz="3600" b="1" spc="-138">
+              <a:rPr lang="ko-KR" altLang="en-US" sz="3600" b="1" spc="-138" dirty="0">
                 <a:solidFill>
                   <a:schemeClr val="tx1"/>
                 </a:solidFill>
@@ -4874,7 +5009,7 @@
               </a:lnSpc>
             </a:pPr>
             <a:r>
-              <a:rPr lang="ko-KR" altLang="en-US" sz="3600" spc="-138">
+              <a:rPr lang="ko-KR" altLang="en-US" sz="3600" spc="-138" dirty="0">
                 <a:solidFill>
                   <a:schemeClr val="tx1"/>
                 </a:solidFill>
@@ -4883,7 +5018,7 @@
               <a:t>카페이름</a:t>
             </a:r>
             <a:r>
-              <a:rPr lang="en-US" altLang="ko-KR" sz="3600" spc="-138">
+              <a:rPr lang="en-US" altLang="ko-KR" sz="3600" spc="-138" dirty="0">
                 <a:solidFill>
                   <a:schemeClr val="tx1"/>
                 </a:solidFill>
@@ -4892,7 +5027,7 @@
               <a:t>+</a:t>
             </a:r>
             <a:r>
-              <a:rPr lang="ko-KR" altLang="en-US" sz="3600" spc="-138">
+              <a:rPr lang="ko-KR" altLang="en-US" sz="3600" spc="-138" dirty="0" err="1">
                 <a:solidFill>
                   <a:schemeClr val="tx1"/>
                 </a:solidFill>
@@ -4901,7 +5036,7 @@
               <a:t>오버뷰</a:t>
             </a:r>
             <a:r>
-              <a:rPr lang="en-US" altLang="ko-KR" sz="3600" spc="-138">
+              <a:rPr lang="en-US" altLang="ko-KR" sz="3600" spc="-138" dirty="0">
                 <a:solidFill>
                   <a:schemeClr val="tx1"/>
                 </a:solidFill>
@@ -4910,7 +5045,7 @@
               <a:t>+</a:t>
             </a:r>
             <a:r>
-              <a:rPr lang="ko-KR" altLang="en-US" sz="3600" spc="-138">
+              <a:rPr lang="ko-KR" altLang="en-US" sz="3600" spc="-138" dirty="0">
                 <a:solidFill>
                   <a:schemeClr val="tx1"/>
                 </a:solidFill>
@@ -4919,7 +5054,7 @@
               <a:t>컨셉	 데이터를 활용</a:t>
             </a:r>
             <a:r>
-              <a:rPr lang="en-US" altLang="ko-KR" sz="3600" spc="-138">
+              <a:rPr lang="en-US" altLang="ko-KR" sz="3600" spc="-138" dirty="0">
                 <a:solidFill>
                   <a:schemeClr val="tx1"/>
                 </a:solidFill>
@@ -4928,7 +5063,7 @@
               <a:t>, l2 </a:t>
             </a:r>
             <a:r>
-              <a:rPr lang="ko-KR" altLang="en-US" sz="3600" spc="-138">
+              <a:rPr lang="ko-KR" altLang="en-US" sz="3600" spc="-138" dirty="0">
                 <a:solidFill>
                   <a:schemeClr val="tx1"/>
                 </a:solidFill>
@@ -4937,7 +5072,7 @@
               <a:t>정규화</a:t>
             </a:r>
             <a:r>
-              <a:rPr lang="en-US" altLang="ko-KR" sz="3600" spc="-138">
+              <a:rPr lang="en-US" altLang="ko-KR" sz="3600" spc="-138" dirty="0">
                 <a:solidFill>
                   <a:schemeClr val="tx1"/>
                 </a:solidFill>
@@ -4946,7 +5081,7 @@
               <a:t>, </a:t>
             </a:r>
             <a:r>
-              <a:rPr lang="ko-KR" altLang="en-US" sz="3600" spc="-138">
+              <a:rPr lang="ko-KR" altLang="en-US" sz="3600" spc="-138" dirty="0">
                 <a:solidFill>
                   <a:schemeClr val="tx1"/>
                 </a:solidFill>
@@ -4955,7 +5090,7 @@
               <a:t>학습의 단위를 단어로 설정</a:t>
             </a:r>
             <a:r>
-              <a:rPr lang="en-US" altLang="ko-KR" sz="3600" spc="-138">
+              <a:rPr lang="en-US" altLang="ko-KR" sz="3600" spc="-138" dirty="0">
                 <a:solidFill>
                   <a:schemeClr val="tx1"/>
                 </a:solidFill>
@@ -4964,7 +5099,7 @@
               <a:t>, </a:t>
             </a:r>
             <a:r>
-              <a:rPr lang="ko-KR" altLang="en-US" sz="3600" spc="-138">
+              <a:rPr lang="ko-KR" altLang="en-US" sz="3600" spc="-138" dirty="0">
                 <a:solidFill>
                   <a:schemeClr val="tx1"/>
                 </a:solidFill>
@@ -4973,7 +5108,7 @@
               <a:t>생성된 행렬로 코사인 유사도 계산</a:t>
             </a:r>
             <a:r>
-              <a:rPr lang="en-US" altLang="ko-KR" sz="3600" spc="-138">
+              <a:rPr lang="en-US" altLang="ko-KR" sz="3600" spc="-138" dirty="0">
                 <a:solidFill>
                   <a:schemeClr val="tx1"/>
                 </a:solidFill>
@@ -4982,31 +5117,13 @@
               <a:t>, </a:t>
             </a:r>
             <a:r>
-              <a:rPr lang="ko-KR" altLang="en-US" sz="3600" spc="-138">
-                <a:solidFill>
-                  <a:schemeClr val="tx1"/>
-                </a:solidFill>
-                <a:latin typeface="+mn-ea"/>
-              </a:rPr>
-              <a:t>유사성이 높은 상위 </a:t>
-            </a:r>
-            <a:r>
-              <a:rPr lang="en-US" altLang="ko-KR" sz="3600" spc="-138">
-                <a:solidFill>
-                  <a:schemeClr val="tx1"/>
-                </a:solidFill>
-                <a:latin typeface="+mn-ea"/>
-              </a:rPr>
-              <a:t>3</a:t>
-            </a:r>
-            <a:r>
-              <a:rPr lang="ko-KR" altLang="en-US" sz="3600" spc="-138">
-                <a:solidFill>
-                  <a:schemeClr val="tx1"/>
-                </a:solidFill>
-                <a:latin typeface="+mn-ea"/>
-              </a:rPr>
-              <a:t>개의 카페를 출력</a:t>
+              <a:rPr lang="ko-KR" altLang="en-US" sz="3600" spc="-138" dirty="0">
+                <a:solidFill>
+                  <a:schemeClr val="tx1"/>
+                </a:solidFill>
+                <a:latin typeface="+mn-ea"/>
+              </a:rPr>
+              <a:t>유사성이 높은 카페들을 출력</a:t>
             </a:r>
           </a:p>
           <a:p>
@@ -5015,7 +5132,7 @@
                 <a:spcPct val="150000"/>
               </a:lnSpc>
             </a:pPr>
-            <a:endParaRPr lang="ko-KR" altLang="en-US" sz="3600" spc="-138">
+            <a:endParaRPr lang="ko-KR" altLang="en-US" sz="3600" spc="-138" dirty="0">
               <a:solidFill>
                 <a:schemeClr val="tx1"/>
               </a:solidFill>
@@ -5028,7 +5145,7 @@
                 <a:spcPct val="150000"/>
               </a:lnSpc>
             </a:pPr>
-            <a:endParaRPr lang="en-US" altLang="ko-KR" sz="3600" spc="-138">
+            <a:endParaRPr lang="en-US" altLang="ko-KR" sz="3600" spc="-138" dirty="0">
               <a:solidFill>
                 <a:schemeClr val="tx1"/>
               </a:solidFill>
@@ -5597,7 +5714,7 @@
                 <a:spcPct val="150000"/>
               </a:lnSpc>
             </a:pPr>
-            <a:endParaRPr lang="en-US" altLang="ko-KR" sz="1000" b="1">
+            <a:endParaRPr lang="en-US" altLang="ko-KR" sz="1000" b="1" dirty="0">
               <a:solidFill>
                 <a:schemeClr val="tx1"/>
               </a:solidFill>
@@ -5611,7 +5728,7 @@
               </a:lnSpc>
             </a:pPr>
             <a:r>
-              <a:rPr lang="ko-KR" altLang="en-US" sz="3600" b="1">
+              <a:rPr lang="ko-KR" altLang="en-US" sz="3600" b="1" dirty="0">
                 <a:solidFill>
                   <a:schemeClr val="tx1"/>
                 </a:solidFill>
@@ -5619,7 +5736,7 @@
               </a:rPr>
               <a:t>선정배경</a:t>
             </a:r>
-            <a:endParaRPr lang="en-US" altLang="ko-KR" sz="3600" b="1">
+            <a:endParaRPr lang="en-US" altLang="ko-KR" sz="3600" b="1" dirty="0">
               <a:solidFill>
                 <a:schemeClr val="tx1"/>
               </a:solidFill>
@@ -5633,7 +5750,7 @@
               </a:lnSpc>
             </a:pPr>
             <a:r>
-              <a:rPr lang="ko-KR" altLang="en-US" sz="3600">
+              <a:rPr lang="ko-KR" altLang="en-US" sz="3600" dirty="0">
                 <a:solidFill>
                   <a:srgbClr val="202124"/>
                 </a:solidFill>
@@ -5642,7 +5759,7 @@
               <a:t>다양한 카페 매장에서 공부 환경이 조성되고 있지만</a:t>
             </a:r>
             <a:r>
-              <a:rPr lang="en-US" altLang="ko-KR" sz="3600">
+              <a:rPr lang="en-US" altLang="ko-KR" sz="3600" dirty="0">
                 <a:solidFill>
                   <a:srgbClr val="202124"/>
                 </a:solidFill>
@@ -5651,34 +5768,52 @@
               <a:t>,</a:t>
             </a:r>
             <a:r>
-              <a:rPr lang="ko-KR" altLang="en-US" sz="3600">
+              <a:rPr lang="ko-KR" altLang="en-US" sz="3600" dirty="0">
                 <a:solidFill>
                   <a:srgbClr val="202124"/>
                 </a:solidFill>
                 <a:latin typeface="Apple SD Gothic Neo"/>
               </a:rPr>
-              <a:t> 공부에 적합한 환경을 갖추었는지를 알기란 쉽지 않다</a:t>
-            </a:r>
-            <a:r>
-              <a:rPr lang="en-US" altLang="ko-KR" sz="3600">
+              <a:t> 공부에 적합한 환경을 갖추었는지를 </a:t>
+            </a:r>
+            <a:r>
+              <a:rPr lang="ko-KR" altLang="en-US" sz="3600" dirty="0" err="1">
                 <a:solidFill>
                   <a:srgbClr val="202124"/>
                 </a:solidFill>
                 <a:latin typeface="Apple SD Gothic Neo"/>
               </a:rPr>
+              <a:t>알기란</a:t>
+            </a:r>
+            <a:r>
+              <a:rPr lang="ko-KR" altLang="en-US" sz="3600" dirty="0">
+                <a:solidFill>
+                  <a:srgbClr val="202124"/>
+                </a:solidFill>
+                <a:latin typeface="Apple SD Gothic Neo"/>
+              </a:rPr>
+              <a:t> 쉽지 않다</a:t>
+            </a:r>
+            <a:r>
+              <a:rPr lang="en-US" altLang="ko-KR" sz="3600" dirty="0">
+                <a:solidFill>
+                  <a:srgbClr val="202124"/>
+                </a:solidFill>
+                <a:latin typeface="Apple SD Gothic Neo"/>
+              </a:rPr>
               <a:t>. </a:t>
             </a:r>
             <a:r>
-              <a:rPr lang="ko-KR" altLang="en-US" sz="3600">
+              <a:rPr lang="ko-KR" altLang="en-US" sz="3600" dirty="0">
                 <a:solidFill>
                   <a:srgbClr val="202124"/>
                 </a:solidFill>
                 <a:latin typeface="Apple SD Gothic Neo"/>
               </a:rPr>
-              <a:t>따라서 현 위치에서 사용자 맞춤 스타일로 공부에 적합한 카페를 추천받음으로써 학생들은 시간과 비용을 절약할 수 있는 시스템이 필요하다</a:t>
-            </a:r>
-            <a:r>
-              <a:rPr lang="en-US" altLang="ko-KR" sz="3600">
+              <a:t>따라서 현 위치에서 사용자 맞춤 스타일로 공부에 적합한 가까운 카페를 추천함으로써 학생들이 시간과 비용을 절약할 수 있도록 하는 시스템이 필요하다</a:t>
+            </a:r>
+            <a:r>
+              <a:rPr lang="en-US" altLang="ko-KR" sz="3600" dirty="0">
                 <a:solidFill>
                   <a:srgbClr val="202124"/>
                 </a:solidFill>
@@ -5693,7 +5828,7 @@
                 <a:spcPct val="150000"/>
               </a:lnSpc>
             </a:pPr>
-            <a:endParaRPr lang="en-US" altLang="ko-KR" sz="1000">
+            <a:endParaRPr lang="en-US" altLang="ko-KR" sz="1000" dirty="0">
               <a:solidFill>
                 <a:srgbClr val="202124"/>
               </a:solidFill>
@@ -5707,7 +5842,7 @@
               </a:lnSpc>
             </a:pPr>
             <a:r>
-              <a:rPr lang="ko-KR" altLang="en-US" sz="3600" b="1">
+              <a:rPr lang="ko-KR" altLang="en-US" sz="3600" b="1" dirty="0">
                 <a:solidFill>
                   <a:schemeClr val="tx1"/>
                 </a:solidFill>
@@ -5715,7 +5850,7 @@
               </a:rPr>
               <a:t>작품개념</a:t>
             </a:r>
-            <a:endParaRPr lang="en-US" altLang="ko-KR" sz="3600" b="1">
+            <a:endParaRPr lang="en-US" altLang="ko-KR" sz="3600" b="1" dirty="0">
               <a:solidFill>
                 <a:schemeClr val="tx1"/>
               </a:solidFill>
@@ -5723,47 +5858,143 @@
             </a:endParaRPr>
           </a:p>
           <a:p>
-            <a:pPr algn="just">
+            <a:pPr>
               <a:lnSpc>
                 <a:spcPct val="150000"/>
               </a:lnSpc>
             </a:pPr>
             <a:r>
-              <a:rPr lang="ko-KR" altLang="en-US" sz="3600">
+              <a:rPr lang="ko-KR" altLang="en-US" sz="3600" dirty="0">
                 <a:solidFill>
                   <a:srgbClr val="202124"/>
                 </a:solidFill>
                 <a:latin typeface="Apple SD Gothic Neo"/>
               </a:rPr>
-              <a:t>데이터베이스에 저장되는 리뷰 기록 정보를 위치 정보와 결합하여 가장 가까우면서 사용자에게 적합한 카페 </a:t>
-            </a:r>
-            <a:r>
-              <a:rPr lang="en-US" altLang="ko-KR" sz="3600">
+              <a:t>데이터베이스에 저장된 카페 이름</a:t>
+            </a:r>
+            <a:r>
+              <a:rPr lang="en-US" altLang="ko-KR" sz="3600" dirty="0">
                 <a:solidFill>
                   <a:srgbClr val="202124"/>
                 </a:solidFill>
                 <a:latin typeface="Apple SD Gothic Neo"/>
               </a:rPr>
-              <a:t>5</a:t>
-            </a:r>
-            <a:r>
-              <a:rPr lang="ko-KR" altLang="en-US" sz="3600">
+              <a:t>, </a:t>
+            </a:r>
+            <a:r>
+              <a:rPr lang="ko-KR" altLang="en-US" sz="3600" dirty="0">
                 <a:solidFill>
                   <a:srgbClr val="202124"/>
                 </a:solidFill>
                 <a:latin typeface="Apple SD Gothic Neo"/>
               </a:rPr>
-              <a:t>개를 추천받을 수 있도록 한다</a:t>
-            </a:r>
-            <a:r>
-              <a:rPr lang="en-US" altLang="ko-KR" sz="3600">
+              <a:t>평점</a:t>
+            </a:r>
+            <a:r>
+              <a:rPr lang="en-US" altLang="ko-KR" sz="3600" dirty="0">
                 <a:solidFill>
                   <a:srgbClr val="202124"/>
                 </a:solidFill>
                 <a:latin typeface="Apple SD Gothic Neo"/>
               </a:rPr>
-              <a:t>.</a:t>
-            </a:r>
+              <a:t>, </a:t>
+            </a:r>
+            <a:r>
+              <a:rPr lang="ko-KR" altLang="en-US" sz="3600" dirty="0">
+                <a:solidFill>
+                  <a:srgbClr val="202124"/>
+                </a:solidFill>
+                <a:latin typeface="Apple SD Gothic Neo"/>
+              </a:rPr>
+              <a:t>평균가격</a:t>
+            </a:r>
+            <a:r>
+              <a:rPr lang="en-US" altLang="ko-KR" sz="3600" dirty="0">
+                <a:solidFill>
+                  <a:srgbClr val="202124"/>
+                </a:solidFill>
+                <a:latin typeface="Apple SD Gothic Neo"/>
+              </a:rPr>
+              <a:t>, </a:t>
+            </a:r>
+            <a:r>
+              <a:rPr lang="ko-KR" altLang="en-US" sz="3600" dirty="0">
+                <a:solidFill>
+                  <a:srgbClr val="202124"/>
+                </a:solidFill>
+                <a:latin typeface="Apple SD Gothic Neo"/>
+              </a:rPr>
+              <a:t>공부환경점수</a:t>
+            </a:r>
+            <a:r>
+              <a:rPr lang="en-US" altLang="ko-KR" sz="3600" dirty="0">
+                <a:solidFill>
+                  <a:srgbClr val="202124"/>
+                </a:solidFill>
+                <a:latin typeface="Apple SD Gothic Neo"/>
+              </a:rPr>
+              <a:t>,  </a:t>
+            </a:r>
+            <a:r>
+              <a:rPr lang="ko-KR" altLang="en-US" sz="3600" dirty="0">
+                <a:solidFill>
+                  <a:srgbClr val="202124"/>
+                </a:solidFill>
+                <a:latin typeface="Apple SD Gothic Neo"/>
+              </a:rPr>
+              <a:t>카페 특색</a:t>
+            </a:r>
+            <a:r>
+              <a:rPr lang="en-US" altLang="ko-KR" sz="3600" dirty="0">
+                <a:solidFill>
+                  <a:srgbClr val="202124"/>
+                </a:solidFill>
+                <a:latin typeface="Apple SD Gothic Neo"/>
+              </a:rPr>
+              <a:t> </a:t>
+            </a:r>
+            <a:r>
+              <a:rPr lang="ko-KR" altLang="en-US" sz="3600" dirty="0">
+                <a:solidFill>
+                  <a:srgbClr val="202124"/>
+                </a:solidFill>
+                <a:latin typeface="Apple SD Gothic Neo"/>
+              </a:rPr>
+              <a:t>및 리뷰 정보를 통해 사용자에게 적합한 카페를 추천 한다</a:t>
+            </a:r>
+            <a:r>
+              <a:rPr lang="en-US" altLang="ko-KR" sz="3600" dirty="0">
+                <a:solidFill>
+                  <a:srgbClr val="202124"/>
+                </a:solidFill>
+                <a:latin typeface="Apple SD Gothic Neo"/>
+              </a:rPr>
+              <a:t>. </a:t>
+            </a:r>
+            <a:r>
+              <a:rPr lang="ko-KR" altLang="en-US" sz="3600" dirty="0">
+                <a:solidFill>
+                  <a:srgbClr val="202124"/>
+                </a:solidFill>
+                <a:latin typeface="Apple SD Gothic Neo"/>
+              </a:rPr>
+              <a:t>그리고 주기적으로 데이터베이스에  최신 정보를 추가로 저장하여 더 나은 추천을 할 수 있도록 한다</a:t>
+            </a:r>
+            <a:r>
+              <a:rPr lang="en-US" altLang="ko-KR" sz="3600" dirty="0">
+                <a:solidFill>
+                  <a:srgbClr val="202124"/>
+                </a:solidFill>
+                <a:latin typeface="Apple SD Gothic Neo"/>
+              </a:rPr>
+              <a:t>. </a:t>
+            </a:r>
+            <a:endParaRPr lang="en-US" altLang="ko-KR" sz="3600" b="1" dirty="0">
+              <a:solidFill>
+                <a:schemeClr val="tx1"/>
+              </a:solidFill>
+              <a:latin typeface="+mn-ea"/>
+            </a:endParaRPr>
           </a:p>
         </p:txBody>
       </p:sp>
@@ -6181,7 +6412,7 @@
               </a:lnSpc>
             </a:pPr>
             <a:r>
-              <a:rPr lang="en-US" altLang="ko-KR" sz="3600" b="1">
+              <a:rPr lang="en-US" altLang="ko-KR" sz="3600" b="1" dirty="0">
                 <a:solidFill>
                   <a:srgbClr val="212121"/>
                 </a:solidFill>
@@ -6196,7 +6427,7 @@
               </a:lnSpc>
             </a:pPr>
             <a:r>
-              <a:rPr lang="ko-KR" altLang="en-US" sz="2000">
+              <a:rPr lang="ko-KR" altLang="en-US" sz="2000" dirty="0">
                 <a:solidFill>
                   <a:schemeClr val="tx1">
                     <a:lumMod val="65000"/>
@@ -6204,9 +6435,20 @@
                   </a:schemeClr>
                 </a:solidFill>
               </a:rPr>
-              <a:t>리뷰데이터 전처리</a:t>
-            </a:r>
-            <a:endParaRPr lang="en-US" altLang="ko-KR" sz="2000">
+              <a:t>리뷰데이터 </a:t>
+            </a:r>
+            <a:r>
+              <a:rPr lang="ko-KR" altLang="en-US" sz="2000" dirty="0" err="1">
+                <a:solidFill>
+                  <a:schemeClr val="tx1">
+                    <a:lumMod val="65000"/>
+                    <a:lumOff val="35000"/>
+                  </a:schemeClr>
+                </a:solidFill>
+              </a:rPr>
+              <a:t>전처리</a:t>
+            </a:r>
+            <a:endParaRPr lang="en-US" altLang="ko-KR" sz="2000" dirty="0">
               <a:solidFill>
                 <a:schemeClr val="tx1">
                   <a:lumMod val="65000"/>
@@ -6221,7 +6463,7 @@
                 <a:spcPct val="150000"/>
               </a:lnSpc>
             </a:pPr>
-            <a:endParaRPr lang="en-US" altLang="ko-KR" sz="2000">
+            <a:endParaRPr lang="en-US" altLang="ko-KR" sz="2000" dirty="0">
               <a:solidFill>
                 <a:schemeClr val="tx1">
                   <a:lumMod val="65000"/>
@@ -6237,7 +6479,7 @@
               </a:lnSpc>
             </a:pPr>
             <a:r>
-              <a:rPr lang="en-US" altLang="ko-KR" sz="2000" b="1">
+              <a:rPr lang="en-US" altLang="ko-KR" sz="2000" b="1" dirty="0">
                 <a:solidFill>
                   <a:schemeClr val="tx1">
                     <a:lumMod val="65000"/>
@@ -6248,7 +6490,7 @@
               <a:t>*</a:t>
             </a:r>
             <a:r>
-              <a:rPr lang="ko-KR" altLang="en-US" sz="2000" b="1">
+              <a:rPr lang="ko-KR" altLang="en-US" sz="2000" b="1" dirty="0" err="1">
                 <a:solidFill>
                   <a:schemeClr val="tx1">
                     <a:lumMod val="65000"/>
@@ -6258,7 +6500,7 @@
               </a:rPr>
               <a:t>전처리</a:t>
             </a:r>
-            <a:endParaRPr lang="en-US" altLang="ko-KR" sz="2000" b="1">
+            <a:endParaRPr lang="en-US" altLang="ko-KR" sz="2000" b="1" dirty="0">
               <a:solidFill>
                 <a:schemeClr val="tx1">
                   <a:lumMod val="65000"/>
@@ -6274,7 +6516,7 @@
               </a:lnSpc>
             </a:pPr>
             <a:r>
-              <a:rPr lang="ko-KR" altLang="en-US" sz="2000">
+              <a:rPr lang="ko-KR" altLang="en-US" sz="2000" dirty="0" err="1">
                 <a:solidFill>
                   <a:schemeClr val="tx1">
                     <a:lumMod val="65000"/>
@@ -6285,7 +6527,7 @@
               <a:t>라벨링</a:t>
             </a:r>
             <a:r>
-              <a:rPr lang="en-US" altLang="ko-KR" sz="2000">
+              <a:rPr lang="en-US" altLang="ko-KR" sz="2000" dirty="0">
                 <a:solidFill>
                   <a:schemeClr val="tx1">
                     <a:lumMod val="65000"/>
@@ -6296,7 +6538,7 @@
               <a:t>, </a:t>
             </a:r>
             <a:r>
-              <a:rPr lang="ko-KR" altLang="en-US" sz="2000">
+              <a:rPr lang="ko-KR" altLang="en-US" sz="2000" dirty="0">
                 <a:solidFill>
                   <a:schemeClr val="tx1">
                     <a:lumMod val="65000"/>
@@ -6307,7 +6549,7 @@
               <a:t>라벨의 분포 균형화</a:t>
             </a:r>
             <a:r>
-              <a:rPr lang="en-US" altLang="ko-KR" sz="2000">
+              <a:rPr lang="en-US" altLang="ko-KR" sz="2000" dirty="0">
                 <a:solidFill>
                   <a:schemeClr val="tx1">
                     <a:lumMod val="65000"/>
@@ -6325,7 +6567,7 @@
               </a:lnSpc>
             </a:pPr>
             <a:r>
-              <a:rPr lang="ko-KR" altLang="en-US" sz="2000">
+              <a:rPr lang="ko-KR" altLang="en-US" sz="2000" dirty="0">
                 <a:solidFill>
                   <a:schemeClr val="tx1">
                     <a:lumMod val="65000"/>
@@ -6333,7 +6575,29 @@
                   </a:schemeClr>
                 </a:solidFill>
               </a:rPr>
-              <a:t>데이터 결측치 제거</a:t>
+              <a:t>데이터 </a:t>
+            </a:r>
+            <a:r>
+              <a:rPr lang="ko-KR" altLang="en-US" sz="2000" dirty="0" err="1">
+                <a:solidFill>
+                  <a:schemeClr val="tx1">
+                    <a:lumMod val="65000"/>
+                    <a:lumOff val="35000"/>
+                  </a:schemeClr>
+                </a:solidFill>
+              </a:rPr>
+              <a:t>결측치</a:t>
+            </a:r>
+            <a:r>
+              <a:rPr lang="ko-KR" altLang="en-US" sz="2000" dirty="0">
+                <a:solidFill>
+                  <a:schemeClr val="tx1">
+                    <a:lumMod val="65000"/>
+                    <a:lumOff val="35000"/>
+                  </a:schemeClr>
+                </a:solidFill>
+              </a:rPr>
+              <a:t> 제거</a:t>
             </a:r>
           </a:p>
           <a:p>
@@ -6343,7 +6607,7 @@
               </a:lnSpc>
             </a:pPr>
             <a:r>
-              <a:rPr lang="ko-KR" altLang="en-US" sz="2000">
+              <a:rPr lang="ko-KR" altLang="en-US" sz="2000" dirty="0">
                 <a:solidFill>
                   <a:schemeClr val="tx1">
                     <a:lumMod val="65000"/>
@@ -6354,7 +6618,7 @@
               <a:t>중복샘플 제거</a:t>
             </a:r>
             <a:r>
-              <a:rPr lang="en-US" altLang="ko-KR" sz="2000">
+              <a:rPr lang="en-US" altLang="ko-KR" sz="2000" dirty="0">
                 <a:solidFill>
                   <a:schemeClr val="tx1">
                     <a:lumMod val="65000"/>
@@ -6365,7 +6629,7 @@
               <a:t>, </a:t>
             </a:r>
             <a:r>
-              <a:rPr lang="ko-KR" altLang="en-US" sz="2000">
+              <a:rPr lang="ko-KR" altLang="en-US" sz="2000" dirty="0">
                 <a:solidFill>
                   <a:schemeClr val="tx1">
                     <a:lumMod val="65000"/>
@@ -6383,7 +6647,7 @@
               </a:lnSpc>
             </a:pPr>
             <a:r>
-              <a:rPr lang="ko-KR" altLang="en-US" sz="2000">
+              <a:rPr lang="ko-KR" altLang="en-US" sz="2000" dirty="0">
                 <a:solidFill>
                   <a:schemeClr val="tx1">
                     <a:lumMod val="65000"/>
@@ -6394,7 +6658,7 @@
               <a:t>빈 데이터 제거</a:t>
             </a:r>
             <a:r>
-              <a:rPr lang="en-US" altLang="ko-KR" sz="2000">
+              <a:rPr lang="en-US" altLang="ko-KR" sz="2000" dirty="0">
                 <a:solidFill>
                   <a:schemeClr val="tx1">
                     <a:lumMod val="65000"/>
@@ -6405,7 +6669,7 @@
               <a:t>, </a:t>
             </a:r>
             <a:r>
-              <a:rPr lang="ko-KR" altLang="en-US" sz="2000">
+              <a:rPr lang="ko-KR" altLang="en-US" sz="2000" dirty="0">
                 <a:solidFill>
                   <a:schemeClr val="tx1">
                     <a:lumMod val="65000"/>
@@ -6416,7 +6680,7 @@
               <a:t>리뷰 길이 통일</a:t>
             </a:r>
             <a:r>
-              <a:rPr lang="en-US" altLang="ko-KR" sz="2000">
+              <a:rPr lang="en-US" altLang="ko-KR" sz="2000" dirty="0">
                 <a:solidFill>
                   <a:schemeClr val="tx1">
                     <a:lumMod val="65000"/>
@@ -6427,7 +6691,7 @@
               <a:t>(</a:t>
             </a:r>
             <a:r>
-              <a:rPr lang="ko-KR" altLang="en-US" sz="2000">
+              <a:rPr lang="ko-KR" altLang="en-US" sz="2000" dirty="0">
                 <a:solidFill>
                   <a:schemeClr val="tx1">
                     <a:lumMod val="65000"/>
@@ -6438,7 +6702,7 @@
               <a:t>패딩</a:t>
             </a:r>
             <a:r>
-              <a:rPr lang="en-US" altLang="ko-KR" sz="2000">
+              <a:rPr lang="en-US" altLang="ko-KR" sz="2000" dirty="0">
                 <a:solidFill>
                   <a:schemeClr val="tx1">
                     <a:lumMod val="65000"/>
@@ -6446,7 +6710,7 @@
                   </a:schemeClr>
                 </a:solidFill>
               </a:rPr>
-              <a:t>40)</a:t>
+              <a:t>60)</a:t>
             </a:r>
           </a:p>
           <a:p>
@@ -6456,7 +6720,7 @@
               </a:lnSpc>
             </a:pPr>
             <a:r>
-              <a:rPr lang="ko-KR" altLang="en-US" sz="2000">
+              <a:rPr lang="ko-KR" altLang="en-US" sz="2000" dirty="0" err="1">
                 <a:solidFill>
                   <a:schemeClr val="tx1">
                     <a:lumMod val="65000"/>
@@ -6464,10 +6728,10 @@
                   </a:schemeClr>
                 </a:solidFill>
               </a:rPr>
-              <a:t>불용어 정의</a:t>
-            </a:r>
-            <a:r>
-              <a:rPr lang="en-US" altLang="ko-KR" sz="2000">
+              <a:t>불용어</a:t>
+            </a:r>
+            <a:r>
+              <a:rPr lang="ko-KR" altLang="en-US" sz="2000" dirty="0">
                 <a:solidFill>
                   <a:schemeClr val="tx1">
                     <a:lumMod val="65000"/>
@@ -6475,10 +6739,10 @@
                   </a:schemeClr>
                 </a:solidFill>
               </a:rPr>
-              <a:t>, </a:t>
-            </a:r>
-            <a:r>
-              <a:rPr lang="ko-KR" altLang="en-US" sz="2000">
+              <a:t> 정의</a:t>
+            </a:r>
+            <a:r>
+              <a:rPr lang="en-US" altLang="ko-KR" sz="2000" dirty="0">
                 <a:solidFill>
                   <a:schemeClr val="tx1">
                     <a:lumMod val="65000"/>
@@ -6486,10 +6750,10 @@
                   </a:schemeClr>
                 </a:solidFill>
               </a:rPr>
-              <a:t>정수 인코딩</a:t>
-            </a:r>
-            <a:r>
-              <a:rPr lang="en-US" altLang="ko-KR" sz="2000">
+              <a:t>, </a:t>
+            </a:r>
+            <a:r>
+              <a:rPr lang="ko-KR" altLang="en-US" sz="2000" dirty="0">
                 <a:solidFill>
                   <a:schemeClr val="tx1">
                     <a:lumMod val="65000"/>
@@ -6497,10 +6761,21 @@
                   </a:schemeClr>
                 </a:solidFill>
               </a:rPr>
+              <a:t>정수 인코딩</a:t>
+            </a:r>
+            <a:r>
+              <a:rPr lang="en-US" altLang="ko-KR" sz="2000" dirty="0">
+                <a:solidFill>
+                  <a:schemeClr val="tx1">
+                    <a:lumMod val="65000"/>
+                    <a:lumOff val="35000"/>
+                  </a:schemeClr>
+                </a:solidFill>
+              </a:rPr>
               <a:t>, </a:t>
             </a:r>
             <a:r>
-              <a:rPr lang="ko-KR" altLang="en-US" sz="2000">
+              <a:rPr lang="ko-KR" altLang="en-US" sz="2000" dirty="0">
                 <a:solidFill>
                   <a:schemeClr val="tx1">
                     <a:lumMod val="65000"/>
@@ -6817,14 +7092,14 @@
               </a:lnSpc>
             </a:pPr>
             <a:r>
-              <a:rPr lang="ko-KR" altLang="en-US" sz="2800" b="1">
+              <a:rPr lang="ko-KR" altLang="en-US" sz="2800" b="1" dirty="0">
                 <a:solidFill>
                   <a:srgbClr val="212121"/>
                 </a:solidFill>
               </a:rPr>
               <a:t>시계열 데이터의 지도학습</a:t>
             </a:r>
-            <a:endParaRPr lang="en-US" altLang="ko-KR" sz="2800" b="1">
+            <a:endParaRPr lang="en-US" altLang="ko-KR" sz="2800" b="1" dirty="0">
               <a:solidFill>
                 <a:srgbClr val="212121"/>
               </a:solidFill>
@@ -6837,7 +7112,7 @@
               </a:lnSpc>
             </a:pPr>
             <a:r>
-              <a:rPr lang="en-US" altLang="ko-KR" sz="1600">
+              <a:rPr lang="en-US" altLang="ko-KR" sz="1600" dirty="0">
                 <a:solidFill>
                   <a:srgbClr val="212121"/>
                 </a:solidFill>
@@ -6845,18 +7120,29 @@
               <a:t>RNN</a:t>
             </a:r>
             <a:r>
-              <a:rPr lang="ko-KR" altLang="en-US" sz="1600">
+              <a:rPr lang="ko-KR" altLang="en-US" sz="1600" dirty="0">
                 <a:solidFill>
                   <a:srgbClr val="212121"/>
                 </a:solidFill>
               </a:rPr>
-              <a:t>과 달리 장기 의존성을 가져 </a:t>
-            </a:r>
-            <a:endParaRPr lang="en-US" altLang="ko-KR" sz="1600">
-              <a:solidFill>
-                <a:srgbClr val="212121"/>
-              </a:solidFill>
-            </a:endParaRPr>
+              <a:t>과 달리 긴 의존 기간을 필요로 하는 학습을 수행하는 능력을 가져</a:t>
+            </a:r>
+            <a:r>
+              <a:rPr lang="en-US" altLang="ko-KR" sz="1600" dirty="0">
+                <a:solidFill>
+                  <a:srgbClr val="212121"/>
+                </a:solidFill>
+              </a:rPr>
+              <a:t>, </a:t>
+            </a:r>
+            <a:r>
+              <a:rPr lang="ko-KR" altLang="en-US" sz="1600" dirty="0">
+                <a:solidFill>
+                  <a:srgbClr val="212121"/>
+                </a:solidFill>
+              </a:rPr>
+              <a:t>리뷰의 감정분석에 사용될 수 있음</a:t>
+            </a:r>
           </a:p>
           <a:p>
             <a:pPr marL="0" lvl="1">
@@ -6864,15 +7150,7 @@
                 <a:spcPct val="150000"/>
               </a:lnSpc>
             </a:pPr>
-            <a:r>
-              <a:rPr lang="ko-KR" altLang="en-US" sz="1600">
-                <a:solidFill>
-                  <a:srgbClr val="212121"/>
-                </a:solidFill>
-              </a:rPr>
-              <a:t>리뷰의 감정분석에 사용될 수 있음</a:t>
-            </a:r>
-            <a:endParaRPr lang="ko-KR" altLang="en-US" sz="1600" dirty="0">
+            <a:endParaRPr lang="en-US" altLang="ko-KR" sz="1600" dirty="0">
               <a:solidFill>
                 <a:srgbClr val="212121"/>
               </a:solidFill>
@@ -7121,7 +7399,7 @@
               </a:lnSpc>
             </a:pPr>
             <a:r>
-              <a:rPr lang="ko-KR" altLang="en-US" sz="2000">
+              <a:rPr lang="ko-KR" altLang="en-US" sz="2000" dirty="0">
                 <a:solidFill>
                   <a:schemeClr val="tx1">
                     <a:lumMod val="65000"/>
@@ -7129,9 +7407,31 @@
                   </a:schemeClr>
                 </a:solidFill>
               </a:rPr>
-              <a:t>리뷰 기반으로 입력한 카페와</a:t>
-            </a:r>
-            <a:endParaRPr lang="en-US" altLang="ko-KR" sz="2000">
+              <a:t>리뷰 기반으로</a:t>
+            </a:r>
+            <a:r>
+              <a:rPr lang="en-US" altLang="ko-KR" sz="2000" dirty="0">
+                <a:solidFill>
+                  <a:schemeClr val="tx1">
+                    <a:lumMod val="65000"/>
+                    <a:lumOff val="35000"/>
+                  </a:schemeClr>
+                </a:solidFill>
+              </a:rPr>
+              <a:t>,</a:t>
+            </a:r>
+            <a:r>
+              <a:rPr lang="ko-KR" altLang="en-US" sz="2000" dirty="0">
+                <a:solidFill>
+                  <a:schemeClr val="tx1">
+                    <a:lumMod val="65000"/>
+                    <a:lumOff val="35000"/>
+                  </a:schemeClr>
+                </a:solidFill>
+              </a:rPr>
+              <a:t> 입력한 카페와</a:t>
+            </a:r>
+            <a:endParaRPr lang="en-US" altLang="ko-KR" sz="2000" dirty="0">
               <a:solidFill>
                 <a:schemeClr val="tx1">
                   <a:lumMod val="65000"/>
@@ -7147,7 +7447,7 @@
               </a:lnSpc>
             </a:pPr>
             <a:r>
-              <a:rPr lang="ko-KR" altLang="en-US" sz="2000">
+              <a:rPr lang="ko-KR" altLang="en-US" sz="2000" dirty="0">
                 <a:solidFill>
                   <a:schemeClr val="tx1">
                     <a:lumMod val="65000"/>
@@ -7155,29 +7455,7 @@
                   </a:schemeClr>
                 </a:solidFill>
               </a:rPr>
-              <a:t>유사성이 높은 상위 </a:t>
-            </a:r>
-            <a:r>
-              <a:rPr lang="en-US" altLang="ko-KR" sz="2000">
-                <a:solidFill>
-                  <a:schemeClr val="tx1">
-                    <a:lumMod val="65000"/>
-                    <a:lumOff val="35000"/>
-                  </a:schemeClr>
-                </a:solidFill>
-              </a:rPr>
-              <a:t>3</a:t>
-            </a:r>
-            <a:r>
-              <a:rPr lang="ko-KR" altLang="en-US" sz="2000">
-                <a:solidFill>
-                  <a:schemeClr val="tx1">
-                    <a:lumMod val="65000"/>
-                    <a:lumOff val="35000"/>
-                  </a:schemeClr>
-                </a:solidFill>
-              </a:rPr>
-              <a:t>개의 카페를 추천</a:t>
+              <a:t>유사성이 높은 카페를 추천</a:t>
             </a:r>
           </a:p>
         </p:txBody>
@@ -7277,12 +7555,28 @@
               </a:lnSpc>
             </a:pPr>
             <a:r>
-              <a:rPr lang="ko-KR" altLang="en-US" sz="2800" b="1">
+              <a:rPr lang="ko-KR" altLang="en-US" sz="2800" b="1" dirty="0">
                 <a:solidFill>
                   <a:srgbClr val="212121"/>
                 </a:solidFill>
               </a:rPr>
-              <a:t>단어 임베딩 및 유사도 도출</a:t>
+              <a:t>단어 </a:t>
+            </a:r>
+            <a:r>
+              <a:rPr lang="ko-KR" altLang="en-US" sz="2800" b="1" dirty="0" err="1">
+                <a:solidFill>
+                  <a:srgbClr val="212121"/>
+                </a:solidFill>
+              </a:rPr>
+              <a:t>임베딩</a:t>
+            </a:r>
+            <a:r>
+              <a:rPr lang="ko-KR" altLang="en-US" sz="2800" b="1" dirty="0">
+                <a:solidFill>
+                  <a:srgbClr val="212121"/>
+                </a:solidFill>
+              </a:rPr>
+              <a:t> 및 유사도 도출</a:t>
             </a:r>
             <a:endParaRPr lang="en-US" altLang="ko-KR" sz="2800" b="1" dirty="0">
               <a:solidFill>
@@ -7297,7 +7591,7 @@
               </a:lnSpc>
             </a:pPr>
             <a:r>
-              <a:rPr lang="en-US" altLang="ko-KR" sz="1600">
+              <a:rPr lang="en-US" altLang="ko-KR" sz="1600" dirty="0">
                 <a:solidFill>
                   <a:srgbClr val="212121"/>
                 </a:solidFill>
@@ -7305,14 +7599,14 @@
               <a:t>- </a:t>
             </a:r>
             <a:r>
-              <a:rPr lang="ko-KR" altLang="en-US" sz="1600">
+              <a:rPr lang="ko-KR" altLang="en-US" sz="1600" dirty="0">
                 <a:solidFill>
                   <a:srgbClr val="212121"/>
                 </a:solidFill>
               </a:rPr>
-              <a:t>의미가 있는 단어들로 임베딩 값을 얻을 수 있음</a:t>
-            </a:r>
-            <a:endParaRPr lang="en-US" altLang="ko-KR" sz="1600">
+              <a:t>의미가 있는 단어들로 특정 방향 벡터를 얻을 수 있음</a:t>
+            </a:r>
+            <a:endParaRPr lang="en-US" altLang="ko-KR" sz="1600" dirty="0">
               <a:solidFill>
                 <a:srgbClr val="212121"/>
               </a:solidFill>
@@ -7325,7 +7619,7 @@
               </a:lnSpc>
             </a:pPr>
             <a:r>
-              <a:rPr lang="en-US" altLang="ko-KR" sz="1600">
+              <a:rPr lang="en-US" altLang="ko-KR" sz="1600" dirty="0">
                 <a:solidFill>
                   <a:srgbClr val="212121"/>
                 </a:solidFill>
@@ -7333,18 +7627,13 @@
               <a:t>- </a:t>
             </a:r>
             <a:r>
-              <a:rPr lang="ko-KR" altLang="en-US" sz="1600">
+              <a:rPr lang="ko-KR" altLang="en-US" sz="1600" dirty="0">
                 <a:solidFill>
                   <a:srgbClr val="212121"/>
                 </a:solidFill>
               </a:rPr>
               <a:t>카페에 대한 정보들이 얼마나 유사한지를 판별할 수 있음</a:t>
             </a:r>
-            <a:endParaRPr lang="ko-KR" altLang="en-US" sz="1600" dirty="0">
-              <a:solidFill>
-                <a:srgbClr val="212121"/>
-              </a:solidFill>
-            </a:endParaRPr>
           </a:p>
         </p:txBody>
       </p:sp>
@@ -7593,7 +7882,7 @@
               </a:lnSpc>
             </a:pPr>
             <a:r>
-              <a:rPr lang="en-US" altLang="ko-KR" sz="3600" b="1">
+              <a:rPr lang="en-US" altLang="ko-KR" sz="3600" b="1" dirty="0">
                 <a:solidFill>
                   <a:srgbClr val="212121"/>
                 </a:solidFill>
@@ -7601,14 +7890,14 @@
               <a:t>1. </a:t>
             </a:r>
             <a:r>
-              <a:rPr lang="ko-KR" altLang="en-US" sz="3600" b="1">
+              <a:rPr lang="ko-KR" altLang="en-US" sz="3600" b="1" dirty="0">
                 <a:solidFill>
                   <a:srgbClr val="212121"/>
                 </a:solidFill>
               </a:rPr>
               <a:t>데이터 수집 파트</a:t>
             </a:r>
-            <a:endParaRPr lang="en-US" altLang="ko-KR" sz="3600" b="1">
+            <a:endParaRPr lang="en-US" altLang="ko-KR" sz="3600" b="1" dirty="0">
               <a:solidFill>
                 <a:srgbClr val="212121"/>
               </a:solidFill>
@@ -7621,7 +7910,7 @@
               </a:lnSpc>
             </a:pPr>
             <a:r>
-              <a:rPr lang="ko-KR" altLang="en-US" sz="3600">
+              <a:rPr lang="ko-KR" altLang="en-US" sz="3600" dirty="0">
                 <a:solidFill>
                   <a:srgbClr val="212121"/>
                 </a:solidFill>
@@ -7629,7 +7918,7 @@
               <a:t>양지인</a:t>
             </a:r>
             <a:r>
-              <a:rPr lang="en-US" altLang="ko-KR" sz="3600">
+              <a:rPr lang="en-US" altLang="ko-KR" sz="3600" dirty="0">
                 <a:solidFill>
                   <a:srgbClr val="212121"/>
                 </a:solidFill>
@@ -7637,7 +7926,7 @@
               <a:t>, </a:t>
             </a:r>
             <a:r>
-              <a:rPr lang="ko-KR" altLang="en-US" sz="3600">
+              <a:rPr lang="ko-KR" altLang="en-US" sz="3600" dirty="0">
                 <a:solidFill>
                   <a:srgbClr val="212121"/>
                 </a:solidFill>
@@ -7645,7 +7934,7 @@
               <a:t>조현진</a:t>
             </a:r>
             <a:r>
-              <a:rPr lang="en-US" altLang="ko-KR" sz="3600">
+              <a:rPr lang="en-US" altLang="ko-KR" sz="3600" dirty="0">
                 <a:solidFill>
                   <a:srgbClr val="212121"/>
                 </a:solidFill>
@@ -7653,7 +7942,7 @@
               <a:t>, </a:t>
             </a:r>
             <a:r>
-              <a:rPr lang="ko-KR" altLang="en-US" sz="3600">
+              <a:rPr lang="ko-KR" altLang="en-US" sz="3600" dirty="0">
                 <a:solidFill>
                   <a:srgbClr val="212121"/>
                 </a:solidFill>
@@ -7668,7 +7957,7 @@
               </a:lnSpc>
             </a:pPr>
             <a:r>
-              <a:rPr lang="ko-KR" altLang="en-US" sz="3600">
+              <a:rPr lang="ko-KR" altLang="en-US" sz="3600" dirty="0">
                 <a:solidFill>
                   <a:srgbClr val="212121"/>
                 </a:solidFill>
@@ -7683,13 +7972,26 @@
               </a:lnSpc>
             </a:pPr>
             <a:r>
-              <a:rPr lang="ko-KR" altLang="en-US" sz="3600">
+              <a:rPr lang="ko-KR" altLang="en-US" sz="3600" dirty="0">
                 <a:solidFill>
                   <a:srgbClr val="212121"/>
                 </a:solidFill>
               </a:rPr>
-              <a:t>리뷰 수집 및 라벨링</a:t>
-            </a:r>
+              <a:t>리뷰 수집 및 </a:t>
+            </a:r>
+            <a:r>
+              <a:rPr lang="ko-KR" altLang="en-US" sz="3600" dirty="0" err="1">
+                <a:solidFill>
+                  <a:srgbClr val="212121"/>
+                </a:solidFill>
+              </a:rPr>
+              <a:t>라벨링</a:t>
+            </a:r>
+            <a:endParaRPr lang="ko-KR" altLang="en-US" sz="3600" dirty="0">
+              <a:solidFill>
+                <a:srgbClr val="212121"/>
+              </a:solidFill>
+            </a:endParaRPr>
           </a:p>
           <a:p>
             <a:pPr lvl="1">
@@ -7698,7 +8000,7 @@
               </a:lnSpc>
             </a:pPr>
             <a:r>
-              <a:rPr lang="en-US" altLang="ko-KR" sz="3600" b="1">
+              <a:rPr lang="en-US" altLang="ko-KR" sz="3600" b="1" dirty="0">
                 <a:solidFill>
                   <a:srgbClr val="212121"/>
                 </a:solidFill>
@@ -7706,14 +8008,14 @@
               <a:t>2. </a:t>
             </a:r>
             <a:r>
-              <a:rPr lang="ko-KR" altLang="en-US" sz="3600" b="1">
+              <a:rPr lang="ko-KR" altLang="en-US" sz="3600" b="1" dirty="0">
                 <a:solidFill>
                   <a:srgbClr val="212121"/>
                 </a:solidFill>
               </a:rPr>
               <a:t>모델 학습 파트</a:t>
             </a:r>
-            <a:endParaRPr lang="en-US" altLang="ko-KR" sz="3600" b="1">
+            <a:endParaRPr lang="en-US" altLang="ko-KR" sz="3600" b="1" dirty="0">
               <a:solidFill>
                 <a:srgbClr val="212121"/>
               </a:solidFill>
@@ -7726,7 +8028,7 @@
               </a:lnSpc>
             </a:pPr>
             <a:r>
-              <a:rPr lang="ko-KR" altLang="en-US" sz="3600">
+              <a:rPr lang="ko-KR" altLang="en-US" sz="3600" dirty="0">
                 <a:solidFill>
                   <a:srgbClr val="212121"/>
                 </a:solidFill>
@@ -7734,7 +8036,7 @@
               <a:t>정지호</a:t>
             </a:r>
             <a:r>
-              <a:rPr lang="en-US" altLang="ko-KR" sz="3600">
+              <a:rPr lang="en-US" altLang="ko-KR" sz="3600" dirty="0">
                 <a:solidFill>
                   <a:srgbClr val="212121"/>
                 </a:solidFill>
@@ -7742,7 +8044,7 @@
               <a:t>, </a:t>
             </a:r>
             <a:r>
-              <a:rPr lang="ko-KR" altLang="en-US" sz="3600">
+              <a:rPr lang="ko-KR" altLang="en-US" sz="3600" dirty="0">
                 <a:solidFill>
                   <a:srgbClr val="212121"/>
                 </a:solidFill>
@@ -7750,7 +8052,7 @@
               <a:t>장동훈</a:t>
             </a:r>
             <a:r>
-              <a:rPr lang="en-US" altLang="ko-KR" sz="3600">
+              <a:rPr lang="en-US" altLang="ko-KR" sz="3600" dirty="0">
                 <a:solidFill>
                   <a:srgbClr val="212121"/>
                 </a:solidFill>
@@ -7758,14 +8060,14 @@
               <a:t>, </a:t>
             </a:r>
             <a:r>
-              <a:rPr lang="ko-KR" altLang="en-US" sz="3600">
+              <a:rPr lang="ko-KR" altLang="en-US" sz="3600" dirty="0">
                 <a:solidFill>
                   <a:srgbClr val="212121"/>
                 </a:solidFill>
               </a:rPr>
               <a:t>지수빈</a:t>
             </a:r>
-            <a:endParaRPr lang="en-US" altLang="ko-KR" sz="3600">
+            <a:endParaRPr lang="en-US" altLang="ko-KR" sz="3600" dirty="0">
               <a:solidFill>
                 <a:srgbClr val="212121"/>
               </a:solidFill>
@@ -7778,7 +8080,7 @@
               </a:lnSpc>
             </a:pPr>
             <a:r>
-              <a:rPr lang="ko-KR" altLang="en-US" sz="3600">
+              <a:rPr lang="ko-KR" altLang="en-US" sz="3600" dirty="0">
                 <a:solidFill>
                   <a:srgbClr val="212121"/>
                 </a:solidFill>
@@ -7793,7 +8095,7 @@
               </a:lnSpc>
             </a:pPr>
             <a:r>
-              <a:rPr lang="ko-KR" altLang="en-US" sz="3600">
+              <a:rPr lang="ko-KR" altLang="en-US" sz="3600" dirty="0">
                 <a:solidFill>
                   <a:srgbClr val="212121"/>
                 </a:solidFill>
@@ -7803,6 +8105,36 @@
           </a:p>
         </p:txBody>
       </p:sp>
+      <p:pic>
+        <p:nvPicPr>
+          <p:cNvPr id="2" name="그림 1">
+            <a:extLst>
+              <a:ext uri="{FF2B5EF4-FFF2-40B4-BE49-F238E27FC236}">
+                <a16:creationId xmlns:a16="http://schemas.microsoft.com/office/drawing/2014/main" id="{167F85BB-9335-48AF-B037-944015316D9C}"/>
+              </a:ext>
+            </a:extLst>
+          </p:cNvPr>
+          <p:cNvPicPr>
+            <a:picLocks noChangeAspect="1"/>
+          </p:cNvPicPr>
+          <p:nvPr/>
+        </p:nvPicPr>
+        <p:blipFill>
+          <a:blip r:embed="rId3"/>
+          <a:stretch>
+            <a:fillRect/>
+          </a:stretch>
+        </p:blipFill>
+        <p:spPr>
+          <a:xfrm>
+            <a:off x="17337350" y="30528000"/>
+            <a:ext cx="12933938" cy="4740883"/>
+          </a:xfrm>
+          <a:prstGeom prst="rect">
+            <a:avLst/>
+          </a:prstGeom>
+        </p:spPr>
+      </p:pic>
     </p:spTree>
     <p:extLst>
       <p:ext uri="{BB962C8B-B14F-4D97-AF65-F5344CB8AC3E}">
